--- a/Sivasankaran BI Consultant.pptx
+++ b/Sivasankaran BI Consultant.pptx
@@ -3512,9 +3512,7 @@
             <a:r>
               <a:rPr lang="en-US" sz="1400" b="1" u="sng" dirty="0">
                 <a:solidFill>
-                  <a:schemeClr val="accent5">
-                    <a:lumMod val="50000"/>
-                  </a:schemeClr>
+                  <a:srgbClr val="002060"/>
                 </a:solidFill>
                 <a:latin typeface="Times New Roman" panose="02020603050405020304" pitchFamily="18" charset="0"/>
                 <a:cs typeface="Times New Roman" panose="02020603050405020304" pitchFamily="18" charset="0"/>
@@ -3524,9 +3522,7 @@
             <a:r>
               <a:rPr lang="en-US" sz="1400" b="1" dirty="0">
                 <a:solidFill>
-                  <a:schemeClr val="accent5">
-                    <a:lumMod val="50000"/>
-                  </a:schemeClr>
+                  <a:srgbClr val="002060"/>
                 </a:solidFill>
                 <a:latin typeface="Times New Roman" panose="02020603050405020304" pitchFamily="18" charset="0"/>
                 <a:cs typeface="Times New Roman" panose="02020603050405020304" pitchFamily="18" charset="0"/>
@@ -3536,9 +3532,7 @@
             <a:r>
               <a:rPr lang="en-US" sz="1400" b="1" u="sng" dirty="0">
                 <a:solidFill>
-                  <a:schemeClr val="accent5">
-                    <a:lumMod val="50000"/>
-                  </a:schemeClr>
+                  <a:srgbClr val="002060"/>
                 </a:solidFill>
                 <a:latin typeface="Times New Roman" panose="02020603050405020304" pitchFamily="18" charset="0"/>
                 <a:cs typeface="Times New Roman" panose="02020603050405020304" pitchFamily="18" charset="0"/>

--- a/Sivasankaran BI Consultant.pptx
+++ b/Sivasankaran BI Consultant.pptx
@@ -4213,6 +4213,9 @@
             </a:br>
             <a:r>
               <a:rPr lang="en-US" dirty="0">
+                <a:solidFill>
+                  <a:srgbClr val="002060"/>
+                </a:solidFill>
                 <a:latin typeface="Times New Roman" panose="02020603050405020304" pitchFamily="18" charset="0"/>
                 <a:cs typeface="Times New Roman" panose="02020603050405020304" pitchFamily="18" charset="0"/>
               </a:rPr>
@@ -4220,9 +4223,18 @@
             </a:r>
             <a:r>
               <a:rPr lang="en-US" u="sng" dirty="0">
-                <a:latin typeface="Times New Roman" panose="02020603050405020304" pitchFamily="18" charset="0"/>
-                <a:cs typeface="Times New Roman" panose="02020603050405020304" pitchFamily="18" charset="0"/>
-                <a:hlinkClick r:id="rId2"/>
+                <a:solidFill>
+                  <a:srgbClr val="002060"/>
+                </a:solidFill>
+                <a:latin typeface="Times New Roman" panose="02020603050405020304" pitchFamily="18" charset="0"/>
+                <a:cs typeface="Times New Roman" panose="02020603050405020304" pitchFamily="18" charset="0"/>
+                <a:hlinkClick r:id="rId2">
+                  <a:extLst>
+                    <a:ext uri="{A12FA001-AC4F-418D-AE19-62706E023703}">
+                      <ahyp:hlinkClr xmlns:ahyp="http://schemas.microsoft.com/office/drawing/2018/hyperlinkcolor" val="tx"/>
+                    </a:ext>
+                  </a:extLst>
+                </a:hlinkClick>
               </a:rPr>
               <a:t>linkedin.com/in/sivasankaran-pitchandi-273721182</a:t>
             </a:r>
@@ -4472,7 +4484,7 @@
                 <a:latin typeface="Times New Roman" panose="02020603050405020304" pitchFamily="18" charset="0"/>
                 <a:cs typeface="Times New Roman" panose="02020603050405020304" pitchFamily="18" charset="0"/>
               </a:rPr>
-              <a:t>Microsoft Certified: Data Analyst Associate and Power Platform Expert with nearly 3 years of experience in implementing analytical and reporting solutions. </a:t>
+              <a:t>Microsoft Certified: Data Analyst Associate and Power Platform Expert with sound experience in implementing analytical and reporting solutions. </a:t>
             </a:r>
             <a:r>
               <a:rPr lang="en-US" sz="1400" dirty="0">
